--- a/CDR/CDR_Content/Software_Slides.pptx
+++ b/CDR/CDR_Content/Software_Slides.pptx
@@ -301,7 +301,7 @@
           <a:p>
             <a:fld id="{A57C6856-D685-C14F-B11E-B0F6E61D4E9B}" type="datetimeFigureOut">
               <a:rPr lang="en-US" smtClean="0"/>
-              <a:t>11/14/16</a:t>
+              <a:t>11/16/16</a:t>
             </a:fld>
             <a:endParaRPr lang="en-US"/>
           </a:p>
@@ -471,7 +471,7 @@
           <a:p>
             <a:fld id="{A57C6856-D685-C14F-B11E-B0F6E61D4E9B}" type="datetimeFigureOut">
               <a:rPr lang="en-US" smtClean="0"/>
-              <a:t>11/14/16</a:t>
+              <a:t>11/16/16</a:t>
             </a:fld>
             <a:endParaRPr lang="en-US"/>
           </a:p>
@@ -651,7 +651,7 @@
           <a:p>
             <a:fld id="{A57C6856-D685-C14F-B11E-B0F6E61D4E9B}" type="datetimeFigureOut">
               <a:rPr lang="en-US" smtClean="0"/>
-              <a:t>11/14/16</a:t>
+              <a:t>11/16/16</a:t>
             </a:fld>
             <a:endParaRPr lang="en-US"/>
           </a:p>
@@ -821,7 +821,7 @@
           <a:p>
             <a:fld id="{A57C6856-D685-C14F-B11E-B0F6E61D4E9B}" type="datetimeFigureOut">
               <a:rPr lang="en-US" smtClean="0"/>
-              <a:t>11/14/16</a:t>
+              <a:t>11/16/16</a:t>
             </a:fld>
             <a:endParaRPr lang="en-US"/>
           </a:p>
@@ -1067,7 +1067,7 @@
           <a:p>
             <a:fld id="{A57C6856-D685-C14F-B11E-B0F6E61D4E9B}" type="datetimeFigureOut">
               <a:rPr lang="en-US" smtClean="0"/>
-              <a:t>11/14/16</a:t>
+              <a:t>11/16/16</a:t>
             </a:fld>
             <a:endParaRPr lang="en-US"/>
           </a:p>
@@ -1355,7 +1355,7 @@
           <a:p>
             <a:fld id="{A57C6856-D685-C14F-B11E-B0F6E61D4E9B}" type="datetimeFigureOut">
               <a:rPr lang="en-US" smtClean="0"/>
-              <a:t>11/14/16</a:t>
+              <a:t>11/16/16</a:t>
             </a:fld>
             <a:endParaRPr lang="en-US"/>
           </a:p>
@@ -1777,7 +1777,7 @@
           <a:p>
             <a:fld id="{A57C6856-D685-C14F-B11E-B0F6E61D4E9B}" type="datetimeFigureOut">
               <a:rPr lang="en-US" smtClean="0"/>
-              <a:t>11/14/16</a:t>
+              <a:t>11/16/16</a:t>
             </a:fld>
             <a:endParaRPr lang="en-US"/>
           </a:p>
@@ -1895,7 +1895,7 @@
           <a:p>
             <a:fld id="{A57C6856-D685-C14F-B11E-B0F6E61D4E9B}" type="datetimeFigureOut">
               <a:rPr lang="en-US" smtClean="0"/>
-              <a:t>11/14/16</a:t>
+              <a:t>11/16/16</a:t>
             </a:fld>
             <a:endParaRPr lang="en-US"/>
           </a:p>
@@ -1990,7 +1990,7 @@
           <a:p>
             <a:fld id="{A57C6856-D685-C14F-B11E-B0F6E61D4E9B}" type="datetimeFigureOut">
               <a:rPr lang="en-US" smtClean="0"/>
-              <a:t>11/14/16</a:t>
+              <a:t>11/16/16</a:t>
             </a:fld>
             <a:endParaRPr lang="en-US"/>
           </a:p>
@@ -2267,7 +2267,7 @@
           <a:p>
             <a:fld id="{A57C6856-D685-C14F-B11E-B0F6E61D4E9B}" type="datetimeFigureOut">
               <a:rPr lang="en-US" smtClean="0"/>
-              <a:t>11/14/16</a:t>
+              <a:t>11/16/16</a:t>
             </a:fld>
             <a:endParaRPr lang="en-US"/>
           </a:p>
@@ -2520,7 +2520,7 @@
           <a:p>
             <a:fld id="{A57C6856-D685-C14F-B11E-B0F6E61D4E9B}" type="datetimeFigureOut">
               <a:rPr lang="en-US" smtClean="0"/>
-              <a:t>11/14/16</a:t>
+              <a:t>11/16/16</a:t>
             </a:fld>
             <a:endParaRPr lang="en-US"/>
           </a:p>
@@ -2733,7 +2733,7 @@
           <a:p>
             <a:fld id="{A57C6856-D685-C14F-B11E-B0F6E61D4E9B}" type="datetimeFigureOut">
               <a:rPr lang="en-US" smtClean="0"/>
-              <a:t>11/14/16</a:t>
+              <a:t>11/16/16</a:t>
             </a:fld>
             <a:endParaRPr lang="en-US"/>
           </a:p>
@@ -3735,7 +3735,18 @@
           <a:p>
             <a:r>
               <a:rPr lang="en-US" dirty="0" smtClean="0"/>
-              <a:t>Pull power to OSPRE sensor package</a:t>
+              <a:t>Complicated due to using two different CPUs</a:t>
+            </a:r>
+            <a:endParaRPr lang="en-US" dirty="0" smtClean="0"/>
+          </a:p>
+          <a:p>
+            <a:r>
+              <a:rPr lang="en-US" dirty="0" smtClean="0"/>
+              <a:t>Cut power </a:t>
+            </a:r>
+            <a:r>
+              <a:rPr lang="en-US" dirty="0" smtClean="0"/>
+              <a:t>to OSPRE sensor package</a:t>
             </a:r>
           </a:p>
           <a:p>
@@ -3747,10 +3758,10 @@
               <a:rPr lang="en-US" dirty="0" err="1" smtClean="0"/>
               <a:t>ZedBoard</a:t>
             </a:r>
-            <a:endParaRPr lang="en-US" smtClean="0"/>
-          </a:p>
-          <a:p>
-            <a:endParaRPr lang="en-US"/>
+            <a:endParaRPr lang="en-US" dirty="0" smtClean="0"/>
+          </a:p>
+          <a:p>
+            <a:endParaRPr lang="en-US" dirty="0"/>
           </a:p>
         </p:txBody>
       </p:sp>
@@ -3914,15 +3925,7 @@
             <a:pPr lvl="0"/>
             <a:r>
               <a:rPr lang="en-US" dirty="0" smtClean="0"/>
-              <a:t>All</a:t>
-            </a:r>
-            <a:r>
-              <a:rPr lang="en-US" dirty="0" smtClean="0"/>
-              <a:t> processes </a:t>
-            </a:r>
-            <a:r>
-              <a:rPr lang="en-US" dirty="0" smtClean="0"/>
-              <a:t>communication will </a:t>
+              <a:t>All processes communication will </a:t>
             </a:r>
             <a:r>
               <a:rPr lang="en-US" dirty="0"/>
